--- a/Speaking-of-Git-VCS/Introduction-to-Git-VCS.pptx
+++ b/Speaking-of-Git-VCS/Introduction-to-Git-VCS.pptx
@@ -19267,6 +19267,50 @@
           </a:p>
         </p:txBody>
       </p:sp>
+      <p:cxnSp>
+        <p:nvCxnSpPr>
+          <p:cNvPr id="9" name="直接箭头连接符 8">
+            <a:extLst>
+              <a:ext uri="{FF2B5EF4-FFF2-40B4-BE49-F238E27FC236}">
+                <a16:creationId xmlns:a16="http://schemas.microsoft.com/office/drawing/2014/main" id="{7D9F145A-93B3-48AC-8839-B7BFD1F65B94}"/>
+              </a:ext>
+            </a:extLst>
+          </p:cNvPr>
+          <p:cNvCxnSpPr>
+            <a:stCxn id="17" idx="3"/>
+          </p:cNvCxnSpPr>
+          <p:nvPr/>
+        </p:nvCxnSpPr>
+        <p:spPr>
+          <a:xfrm>
+            <a:off x="3347052" y="3445801"/>
+            <a:ext cx="756144" cy="889476"/>
+          </a:xfrm>
+          <a:prstGeom prst="straightConnector1">
+            <a:avLst/>
+          </a:prstGeom>
+          <a:ln w="19050">
+            <a:solidFill>
+              <a:schemeClr val="bg1"/>
+            </a:solidFill>
+            <a:tailEnd type="triangle"/>
+          </a:ln>
+        </p:spPr>
+        <p:style>
+          <a:lnRef idx="1">
+            <a:schemeClr val="accent1"/>
+          </a:lnRef>
+          <a:fillRef idx="0">
+            <a:schemeClr val="accent1"/>
+          </a:fillRef>
+          <a:effectRef idx="0">
+            <a:schemeClr val="accent1"/>
+          </a:effectRef>
+          <a:fontRef idx="minor">
+            <a:schemeClr val="tx1"/>
+          </a:fontRef>
+        </p:style>
+      </p:cxnSp>
     </p:spTree>
     <p:extLst>
       <p:ext uri="{BB962C8B-B14F-4D97-AF65-F5344CB8AC3E}">
@@ -20036,6 +20080,48 @@
           </a:p>
         </p:txBody>
       </p:sp>
+      <p:cxnSp>
+        <p:nvCxnSpPr>
+          <p:cNvPr id="14" name="直接箭头连接符 13">
+            <a:extLst>
+              <a:ext uri="{FF2B5EF4-FFF2-40B4-BE49-F238E27FC236}">
+                <a16:creationId xmlns:a16="http://schemas.microsoft.com/office/drawing/2014/main" id="{FED61CA1-38C8-4FBB-A9E3-AF865988FF9F}"/>
+              </a:ext>
+            </a:extLst>
+          </p:cNvPr>
+          <p:cNvCxnSpPr/>
+          <p:nvPr/>
+        </p:nvCxnSpPr>
+        <p:spPr>
+          <a:xfrm>
+            <a:off x="3347052" y="3445801"/>
+            <a:ext cx="756144" cy="889476"/>
+          </a:xfrm>
+          <a:prstGeom prst="straightConnector1">
+            <a:avLst/>
+          </a:prstGeom>
+          <a:ln w="19050">
+            <a:solidFill>
+              <a:schemeClr val="bg1"/>
+            </a:solidFill>
+            <a:tailEnd type="triangle"/>
+          </a:ln>
+        </p:spPr>
+        <p:style>
+          <a:lnRef idx="1">
+            <a:schemeClr val="accent1"/>
+          </a:lnRef>
+          <a:fillRef idx="0">
+            <a:schemeClr val="accent1"/>
+          </a:fillRef>
+          <a:effectRef idx="0">
+            <a:schemeClr val="accent1"/>
+          </a:effectRef>
+          <a:fontRef idx="minor">
+            <a:schemeClr val="tx1"/>
+          </a:fontRef>
+        </p:style>
+      </p:cxnSp>
     </p:spTree>
     <p:extLst>
       <p:ext uri="{BB962C8B-B14F-4D97-AF65-F5344CB8AC3E}">
@@ -20135,6 +20221,15 @@
               <a:t>Always create repository with a </a:t>
             </a:r>
             <a:r>
+              <a:rPr lang="en-US" altLang="zh-CN" sz="2800" b="1" dirty="0">
+                <a:solidFill>
+                  <a:srgbClr val="D15A3E"/>
+                </a:solidFill>
+                <a:latin typeface="Consolas" panose="020B0609020204030204" pitchFamily="49" charset="0"/>
+              </a:rPr>
+              <a:t>.</a:t>
+            </a:r>
+            <a:r>
               <a:rPr lang="en-US" altLang="zh-CN" sz="2800" b="1" dirty="0" err="1">
                 <a:solidFill>
                   <a:srgbClr val="D15A3E"/>
@@ -20246,7 +20341,21 @@
               <a:rPr lang="en-US" altLang="zh-CN" sz="2800" dirty="0"/>
               <a:t>.</a:t>
             </a:r>
-            <a:endParaRPr lang="zh-CN" altLang="en-US" sz="2800" dirty="0"/>
+          </a:p>
+          <a:p>
+            <a:r>
+              <a:rPr lang="en-US" altLang="zh-CN" sz="2800" dirty="0">
+                <a:solidFill>
+                  <a:srgbClr val="D15A3E"/>
+                </a:solidFill>
+              </a:rPr>
+              <a:t>Be social in git communities!</a:t>
+            </a:r>
+            <a:endParaRPr lang="zh-CN" altLang="en-US" sz="2800" dirty="0">
+              <a:solidFill>
+                <a:srgbClr val="D15A3E"/>
+              </a:solidFill>
+            </a:endParaRPr>
           </a:p>
         </p:txBody>
       </p:sp>
